--- a/Proposal_SangyongJeong.pptx
+++ b/Proposal_SangyongJeong.pptx
@@ -4,6 +4,9 @@
   <p:sldMasterIdLst>
     <p:sldMasterId id="2147483648" r:id="rId1"/>
   </p:sldMasterIdLst>
+  <p:notesMasterIdLst>
+    <p:notesMasterId r:id="rId12"/>
+  </p:notesMasterIdLst>
   <p:sldIdLst>
     <p:sldId id="256" r:id="rId2"/>
     <p:sldId id="257" r:id="rId3"/>
@@ -12,8 +15,9 @@
     <p:sldId id="260" r:id="rId6"/>
     <p:sldId id="261" r:id="rId7"/>
     <p:sldId id="262" r:id="rId8"/>
-    <p:sldId id="263" r:id="rId9"/>
-    <p:sldId id="264" r:id="rId10"/>
+    <p:sldId id="265" r:id="rId9"/>
+    <p:sldId id="263" r:id="rId10"/>
+    <p:sldId id="264" r:id="rId11"/>
   </p:sldIdLst>
   <p:sldSz cx="9144000" cy="6858000" type="screen4x3"/>
   <p:notesSz cx="6858000" cy="9144000"/>
@@ -115,6 +119,440 @@
 </p:presentation>
 </file>
 
+<file path=ppt/notesMasters/notesMaster1.xml><?xml version="1.0" encoding="utf-8"?>
+<p:notesMaster xmlns:a="http://schemas.openxmlformats.org/drawingml/2006/main" xmlns:r="http://schemas.openxmlformats.org/officeDocument/2006/relationships" xmlns:p="http://schemas.openxmlformats.org/presentationml/2006/main">
+  <p:cSld>
+    <p:bg>
+      <p:bgRef idx="1001">
+        <a:schemeClr val="bg1"/>
+      </p:bgRef>
+    </p:bg>
+    <p:spTree>
+      <p:nvGrpSpPr>
+        <p:cNvPr id="1" name=""/>
+        <p:cNvGrpSpPr/>
+        <p:nvPr/>
+      </p:nvGrpSpPr>
+      <p:grpSpPr>
+        <a:xfrm>
+          <a:off x="0" y="0"/>
+          <a:ext cx="0" cy="0"/>
+          <a:chOff x="0" y="0"/>
+          <a:chExt cx="0" cy="0"/>
+        </a:xfrm>
+      </p:grpSpPr>
+      <p:sp>
+        <p:nvSpPr>
+          <p:cNvPr id="2" name="Header Placeholder 1"/>
+          <p:cNvSpPr>
+            <a:spLocks noGrp="1"/>
+          </p:cNvSpPr>
+          <p:nvPr>
+            <p:ph type="hdr" sz="quarter"/>
+          </p:nvPr>
+        </p:nvSpPr>
+        <p:spPr>
+          <a:xfrm>
+            <a:off x="0" y="0"/>
+            <a:ext cx="2971800" cy="457200"/>
+          </a:xfrm>
+          <a:prstGeom prst="rect">
+            <a:avLst/>
+          </a:prstGeom>
+        </p:spPr>
+        <p:txBody>
+          <a:bodyPr vert="horz" lIns="91440" tIns="45720" rIns="91440" bIns="45720" rtlCol="0"/>
+          <a:lstStyle>
+            <a:lvl1pPr algn="l">
+              <a:defRPr sz="1200"/>
+            </a:lvl1pPr>
+          </a:lstStyle>
+          <a:p>
+            <a:endParaRPr lang="en-US"/>
+          </a:p>
+        </p:txBody>
+      </p:sp>
+      <p:sp>
+        <p:nvSpPr>
+          <p:cNvPr id="3" name="Date Placeholder 2"/>
+          <p:cNvSpPr>
+            <a:spLocks noGrp="1"/>
+          </p:cNvSpPr>
+          <p:nvPr>
+            <p:ph type="dt" idx="1"/>
+          </p:nvPr>
+        </p:nvSpPr>
+        <p:spPr>
+          <a:xfrm>
+            <a:off x="3884613" y="0"/>
+            <a:ext cx="2971800" cy="457200"/>
+          </a:xfrm>
+          <a:prstGeom prst="rect">
+            <a:avLst/>
+          </a:prstGeom>
+        </p:spPr>
+        <p:txBody>
+          <a:bodyPr vert="horz" lIns="91440" tIns="45720" rIns="91440" bIns="45720" rtlCol="0"/>
+          <a:lstStyle>
+            <a:lvl1pPr algn="r">
+              <a:defRPr sz="1200"/>
+            </a:lvl1pPr>
+          </a:lstStyle>
+          <a:p>
+            <a:fld id="{1BC7355E-2EC2-0A45-8CCB-82053B4D1939}" type="datetimeFigureOut">
+              <a:rPr lang="en-US" smtClean="0"/>
+              <a:t>03/09/18</a:t>
+            </a:fld>
+            <a:endParaRPr lang="en-US"/>
+          </a:p>
+        </p:txBody>
+      </p:sp>
+      <p:sp>
+        <p:nvSpPr>
+          <p:cNvPr id="4" name="Slide Image Placeholder 3"/>
+          <p:cNvSpPr>
+            <a:spLocks noGrp="1" noRot="1" noChangeAspect="1"/>
+          </p:cNvSpPr>
+          <p:nvPr>
+            <p:ph type="sldImg" idx="2"/>
+          </p:nvPr>
+        </p:nvSpPr>
+        <p:spPr>
+          <a:xfrm>
+            <a:off x="1143000" y="685800"/>
+            <a:ext cx="4572000" cy="3429000"/>
+          </a:xfrm>
+          <a:prstGeom prst="rect">
+            <a:avLst/>
+          </a:prstGeom>
+          <a:noFill/>
+          <a:ln w="12700">
+            <a:solidFill>
+              <a:prstClr val="black"/>
+            </a:solidFill>
+          </a:ln>
+        </p:spPr>
+        <p:txBody>
+          <a:bodyPr vert="horz" lIns="91440" tIns="45720" rIns="91440" bIns="45720" rtlCol="0" anchor="ctr"/>
+          <a:lstStyle/>
+          <a:p>
+            <a:endParaRPr lang="en-US"/>
+          </a:p>
+        </p:txBody>
+      </p:sp>
+      <p:sp>
+        <p:nvSpPr>
+          <p:cNvPr id="5" name="Notes Placeholder 4"/>
+          <p:cNvSpPr>
+            <a:spLocks noGrp="1"/>
+          </p:cNvSpPr>
+          <p:nvPr>
+            <p:ph type="body" sz="quarter" idx="3"/>
+          </p:nvPr>
+        </p:nvSpPr>
+        <p:spPr>
+          <a:xfrm>
+            <a:off x="685800" y="4343400"/>
+            <a:ext cx="5486400" cy="4114800"/>
+          </a:xfrm>
+          <a:prstGeom prst="rect">
+            <a:avLst/>
+          </a:prstGeom>
+        </p:spPr>
+        <p:txBody>
+          <a:bodyPr vert="horz" lIns="91440" tIns="45720" rIns="91440" bIns="45720" rtlCol="0"/>
+          <a:lstStyle/>
+          <a:p>
+            <a:pPr lvl="0"/>
+            <a:r>
+              <a:rPr lang="en-US" smtClean="0"/>
+              <a:t>Click to edit Master text styles</a:t>
+            </a:r>
+          </a:p>
+          <a:p>
+            <a:pPr lvl="1"/>
+            <a:r>
+              <a:rPr lang="en-US" smtClean="0"/>
+              <a:t>Second level</a:t>
+            </a:r>
+          </a:p>
+          <a:p>
+            <a:pPr lvl="2"/>
+            <a:r>
+              <a:rPr lang="en-US" smtClean="0"/>
+              <a:t>Third level</a:t>
+            </a:r>
+          </a:p>
+          <a:p>
+            <a:pPr lvl="3"/>
+            <a:r>
+              <a:rPr lang="en-US" smtClean="0"/>
+              <a:t>Fourth level</a:t>
+            </a:r>
+          </a:p>
+          <a:p>
+            <a:pPr lvl="4"/>
+            <a:r>
+              <a:rPr lang="en-US" smtClean="0"/>
+              <a:t>Fifth level</a:t>
+            </a:r>
+            <a:endParaRPr lang="en-US"/>
+          </a:p>
+        </p:txBody>
+      </p:sp>
+      <p:sp>
+        <p:nvSpPr>
+          <p:cNvPr id="6" name="Footer Placeholder 5"/>
+          <p:cNvSpPr>
+            <a:spLocks noGrp="1"/>
+          </p:cNvSpPr>
+          <p:nvPr>
+            <p:ph type="ftr" sz="quarter" idx="4"/>
+          </p:nvPr>
+        </p:nvSpPr>
+        <p:spPr>
+          <a:xfrm>
+            <a:off x="0" y="8685213"/>
+            <a:ext cx="2971800" cy="457200"/>
+          </a:xfrm>
+          <a:prstGeom prst="rect">
+            <a:avLst/>
+          </a:prstGeom>
+        </p:spPr>
+        <p:txBody>
+          <a:bodyPr vert="horz" lIns="91440" tIns="45720" rIns="91440" bIns="45720" rtlCol="0" anchor="b"/>
+          <a:lstStyle>
+            <a:lvl1pPr algn="l">
+              <a:defRPr sz="1200"/>
+            </a:lvl1pPr>
+          </a:lstStyle>
+          <a:p>
+            <a:endParaRPr lang="en-US"/>
+          </a:p>
+        </p:txBody>
+      </p:sp>
+      <p:sp>
+        <p:nvSpPr>
+          <p:cNvPr id="7" name="Slide Number Placeholder 6"/>
+          <p:cNvSpPr>
+            <a:spLocks noGrp="1"/>
+          </p:cNvSpPr>
+          <p:nvPr>
+            <p:ph type="sldNum" sz="quarter" idx="5"/>
+          </p:nvPr>
+        </p:nvSpPr>
+        <p:spPr>
+          <a:xfrm>
+            <a:off x="3884613" y="8685213"/>
+            <a:ext cx="2971800" cy="457200"/>
+          </a:xfrm>
+          <a:prstGeom prst="rect">
+            <a:avLst/>
+          </a:prstGeom>
+        </p:spPr>
+        <p:txBody>
+          <a:bodyPr vert="horz" lIns="91440" tIns="45720" rIns="91440" bIns="45720" rtlCol="0" anchor="b"/>
+          <a:lstStyle>
+            <a:lvl1pPr algn="r">
+              <a:defRPr sz="1200"/>
+            </a:lvl1pPr>
+          </a:lstStyle>
+          <a:p>
+            <a:fld id="{AA0B0C75-FDF4-514C-9AB6-F4315AA4D4BA}" type="slidenum">
+              <a:rPr lang="en-US" smtClean="0"/>
+              <a:t>‹#›</a:t>
+            </a:fld>
+            <a:endParaRPr lang="en-US"/>
+          </a:p>
+        </p:txBody>
+      </p:sp>
+    </p:spTree>
+    <p:extLst>
+      <p:ext uri="{BB962C8B-B14F-4D97-AF65-F5344CB8AC3E}">
+        <p14:creationId xmlns:p14="http://schemas.microsoft.com/office/powerpoint/2010/main" val="3390568720"/>
+      </p:ext>
+    </p:extLst>
+  </p:cSld>
+  <p:clrMap bg1="lt1" tx1="dk1" bg2="lt2" tx2="dk2" accent1="accent1" accent2="accent2" accent3="accent3" accent4="accent4" accent5="accent5" accent6="accent6" hlink="hlink" folHlink="folHlink"/>
+  <p:notesStyle>
+    <a:lvl1pPr marL="0" algn="l" defTabSz="457200" rtl="0" eaLnBrk="1" latinLnBrk="0" hangingPunct="1">
+      <a:defRPr sz="1200" kern="1200">
+        <a:solidFill>
+          <a:schemeClr val="tx1"/>
+        </a:solidFill>
+        <a:latin typeface="+mn-lt"/>
+        <a:ea typeface="+mn-ea"/>
+        <a:cs typeface="+mn-cs"/>
+      </a:defRPr>
+    </a:lvl1pPr>
+    <a:lvl2pPr marL="457200" algn="l" defTabSz="457200" rtl="0" eaLnBrk="1" latinLnBrk="0" hangingPunct="1">
+      <a:defRPr sz="1200" kern="1200">
+        <a:solidFill>
+          <a:schemeClr val="tx1"/>
+        </a:solidFill>
+        <a:latin typeface="+mn-lt"/>
+        <a:ea typeface="+mn-ea"/>
+        <a:cs typeface="+mn-cs"/>
+      </a:defRPr>
+    </a:lvl2pPr>
+    <a:lvl3pPr marL="914400" algn="l" defTabSz="457200" rtl="0" eaLnBrk="1" latinLnBrk="0" hangingPunct="1">
+      <a:defRPr sz="1200" kern="1200">
+        <a:solidFill>
+          <a:schemeClr val="tx1"/>
+        </a:solidFill>
+        <a:latin typeface="+mn-lt"/>
+        <a:ea typeface="+mn-ea"/>
+        <a:cs typeface="+mn-cs"/>
+      </a:defRPr>
+    </a:lvl3pPr>
+    <a:lvl4pPr marL="1371600" algn="l" defTabSz="457200" rtl="0" eaLnBrk="1" latinLnBrk="0" hangingPunct="1">
+      <a:defRPr sz="1200" kern="1200">
+        <a:solidFill>
+          <a:schemeClr val="tx1"/>
+        </a:solidFill>
+        <a:latin typeface="+mn-lt"/>
+        <a:ea typeface="+mn-ea"/>
+        <a:cs typeface="+mn-cs"/>
+      </a:defRPr>
+    </a:lvl4pPr>
+    <a:lvl5pPr marL="1828800" algn="l" defTabSz="457200" rtl="0" eaLnBrk="1" latinLnBrk="0" hangingPunct="1">
+      <a:defRPr sz="1200" kern="1200">
+        <a:solidFill>
+          <a:schemeClr val="tx1"/>
+        </a:solidFill>
+        <a:latin typeface="+mn-lt"/>
+        <a:ea typeface="+mn-ea"/>
+        <a:cs typeface="+mn-cs"/>
+      </a:defRPr>
+    </a:lvl5pPr>
+    <a:lvl6pPr marL="2286000" algn="l" defTabSz="457200" rtl="0" eaLnBrk="1" latinLnBrk="0" hangingPunct="1">
+      <a:defRPr sz="1200" kern="1200">
+        <a:solidFill>
+          <a:schemeClr val="tx1"/>
+        </a:solidFill>
+        <a:latin typeface="+mn-lt"/>
+        <a:ea typeface="+mn-ea"/>
+        <a:cs typeface="+mn-cs"/>
+      </a:defRPr>
+    </a:lvl6pPr>
+    <a:lvl7pPr marL="2743200" algn="l" defTabSz="457200" rtl="0" eaLnBrk="1" latinLnBrk="0" hangingPunct="1">
+      <a:defRPr sz="1200" kern="1200">
+        <a:solidFill>
+          <a:schemeClr val="tx1"/>
+        </a:solidFill>
+        <a:latin typeface="+mn-lt"/>
+        <a:ea typeface="+mn-ea"/>
+        <a:cs typeface="+mn-cs"/>
+      </a:defRPr>
+    </a:lvl7pPr>
+    <a:lvl8pPr marL="3200400" algn="l" defTabSz="457200" rtl="0" eaLnBrk="1" latinLnBrk="0" hangingPunct="1">
+      <a:defRPr sz="1200" kern="1200">
+        <a:solidFill>
+          <a:schemeClr val="tx1"/>
+        </a:solidFill>
+        <a:latin typeface="+mn-lt"/>
+        <a:ea typeface="+mn-ea"/>
+        <a:cs typeface="+mn-cs"/>
+      </a:defRPr>
+    </a:lvl8pPr>
+    <a:lvl9pPr marL="3657600" algn="l" defTabSz="457200" rtl="0" eaLnBrk="1" latinLnBrk="0" hangingPunct="1">
+      <a:defRPr sz="1200" kern="1200">
+        <a:solidFill>
+          <a:schemeClr val="tx1"/>
+        </a:solidFill>
+        <a:latin typeface="+mn-lt"/>
+        <a:ea typeface="+mn-ea"/>
+        <a:cs typeface="+mn-cs"/>
+      </a:defRPr>
+    </a:lvl9pPr>
+  </p:notesStyle>
+</p:notesMaster>
+</file>
+
+<file path=ppt/notesSlides/notesSlide1.xml><?xml version="1.0" encoding="utf-8"?>
+<p:notes xmlns:a="http://schemas.openxmlformats.org/drawingml/2006/main" xmlns:r="http://schemas.openxmlformats.org/officeDocument/2006/relationships" xmlns:p="http://schemas.openxmlformats.org/presentationml/2006/main">
+  <p:cSld>
+    <p:spTree>
+      <p:nvGrpSpPr>
+        <p:cNvPr id="1" name=""/>
+        <p:cNvGrpSpPr/>
+        <p:nvPr/>
+      </p:nvGrpSpPr>
+      <p:grpSpPr>
+        <a:xfrm>
+          <a:off x="0" y="0"/>
+          <a:ext cx="0" cy="0"/>
+          <a:chOff x="0" y="0"/>
+          <a:chExt cx="0" cy="0"/>
+        </a:xfrm>
+      </p:grpSpPr>
+      <p:sp>
+        <p:nvSpPr>
+          <p:cNvPr id="2" name="Slide Image Placeholder 1"/>
+          <p:cNvSpPr>
+            <a:spLocks noGrp="1" noRot="1" noChangeAspect="1"/>
+          </p:cNvSpPr>
+          <p:nvPr>
+            <p:ph type="sldImg"/>
+          </p:nvPr>
+        </p:nvSpPr>
+        <p:spPr/>
+      </p:sp>
+      <p:sp>
+        <p:nvSpPr>
+          <p:cNvPr id="3" name="Notes Placeholder 2"/>
+          <p:cNvSpPr>
+            <a:spLocks noGrp="1"/>
+          </p:cNvSpPr>
+          <p:nvPr>
+            <p:ph type="body" idx="1"/>
+          </p:nvPr>
+        </p:nvSpPr>
+        <p:spPr/>
+        <p:txBody>
+          <a:bodyPr/>
+          <a:lstStyle/>
+          <a:p>
+            <a:endParaRPr lang="en-US" dirty="0"/>
+          </a:p>
+        </p:txBody>
+      </p:sp>
+      <p:sp>
+        <p:nvSpPr>
+          <p:cNvPr id="4" name="Slide Number Placeholder 3"/>
+          <p:cNvSpPr>
+            <a:spLocks noGrp="1"/>
+          </p:cNvSpPr>
+          <p:nvPr>
+            <p:ph type="sldNum" sz="quarter" idx="10"/>
+          </p:nvPr>
+        </p:nvSpPr>
+        <p:spPr/>
+        <p:txBody>
+          <a:bodyPr/>
+          <a:lstStyle/>
+          <a:p>
+            <a:fld id="{AA0B0C75-FDF4-514C-9AB6-F4315AA4D4BA}" type="slidenum">
+              <a:rPr lang="en-US" smtClean="0"/>
+              <a:t>7</a:t>
+            </a:fld>
+            <a:endParaRPr lang="en-US"/>
+          </a:p>
+        </p:txBody>
+      </p:sp>
+    </p:spTree>
+    <p:extLst>
+      <p:ext uri="{BB962C8B-B14F-4D97-AF65-F5344CB8AC3E}">
+        <p14:creationId xmlns:p14="http://schemas.microsoft.com/office/powerpoint/2010/main" val="948286482"/>
+      </p:ext>
+    </p:extLst>
+  </p:cSld>
+  <p:clrMapOvr>
+    <a:masterClrMapping/>
+  </p:clrMapOvr>
+</p:notes>
+</file>
+
 <file path=ppt/slideLayouts/slideLayout1.xml><?xml version="1.0" encoding="utf-8"?>
 <p:sldLayout xmlns:a="http://schemas.openxmlformats.org/drawingml/2006/main" xmlns:r="http://schemas.openxmlformats.org/officeDocument/2006/relationships" xmlns:p="http://schemas.openxmlformats.org/presentationml/2006/main" type="title" preserve="1">
   <p:cSld name="Title Slide">
@@ -296,7 +734,7 @@
           <a:p>
             <a:fld id="{6A667C7A-16AE-6244-AECE-C84C48B6E069}" type="datetimeFigureOut">
               <a:rPr lang="en-US" smtClean="0"/>
-              <a:t>02/09/18</a:t>
+              <a:t>03/09/18</a:t>
             </a:fld>
             <a:endParaRPr lang="en-US"/>
           </a:p>
@@ -466,7 +904,7 @@
           <a:p>
             <a:fld id="{6A667C7A-16AE-6244-AECE-C84C48B6E069}" type="datetimeFigureOut">
               <a:rPr lang="en-US" smtClean="0"/>
-              <a:t>02/09/18</a:t>
+              <a:t>03/09/18</a:t>
             </a:fld>
             <a:endParaRPr lang="en-US"/>
           </a:p>
@@ -646,7 +1084,7 @@
           <a:p>
             <a:fld id="{6A667C7A-16AE-6244-AECE-C84C48B6E069}" type="datetimeFigureOut">
               <a:rPr lang="en-US" smtClean="0"/>
-              <a:t>02/09/18</a:t>
+              <a:t>03/09/18</a:t>
             </a:fld>
             <a:endParaRPr lang="en-US"/>
           </a:p>
@@ -816,7 +1254,7 @@
           <a:p>
             <a:fld id="{6A667C7A-16AE-6244-AECE-C84C48B6E069}" type="datetimeFigureOut">
               <a:rPr lang="en-US" smtClean="0"/>
-              <a:t>02/09/18</a:t>
+              <a:t>03/09/18</a:t>
             </a:fld>
             <a:endParaRPr lang="en-US"/>
           </a:p>
@@ -1062,7 +1500,7 @@
           <a:p>
             <a:fld id="{6A667C7A-16AE-6244-AECE-C84C48B6E069}" type="datetimeFigureOut">
               <a:rPr lang="en-US" smtClean="0"/>
-              <a:t>02/09/18</a:t>
+              <a:t>03/09/18</a:t>
             </a:fld>
             <a:endParaRPr lang="en-US"/>
           </a:p>
@@ -1350,7 +1788,7 @@
           <a:p>
             <a:fld id="{6A667C7A-16AE-6244-AECE-C84C48B6E069}" type="datetimeFigureOut">
               <a:rPr lang="en-US" smtClean="0"/>
-              <a:t>02/09/18</a:t>
+              <a:t>03/09/18</a:t>
             </a:fld>
             <a:endParaRPr lang="en-US"/>
           </a:p>
@@ -1772,7 +2210,7 @@
           <a:p>
             <a:fld id="{6A667C7A-16AE-6244-AECE-C84C48B6E069}" type="datetimeFigureOut">
               <a:rPr lang="en-US" smtClean="0"/>
-              <a:t>02/09/18</a:t>
+              <a:t>03/09/18</a:t>
             </a:fld>
             <a:endParaRPr lang="en-US"/>
           </a:p>
@@ -1890,7 +2328,7 @@
           <a:p>
             <a:fld id="{6A667C7A-16AE-6244-AECE-C84C48B6E069}" type="datetimeFigureOut">
               <a:rPr lang="en-US" smtClean="0"/>
-              <a:t>02/09/18</a:t>
+              <a:t>03/09/18</a:t>
             </a:fld>
             <a:endParaRPr lang="en-US"/>
           </a:p>
@@ -1985,7 +2423,7 @@
           <a:p>
             <a:fld id="{6A667C7A-16AE-6244-AECE-C84C48B6E069}" type="datetimeFigureOut">
               <a:rPr lang="en-US" smtClean="0"/>
-              <a:t>02/09/18</a:t>
+              <a:t>03/09/18</a:t>
             </a:fld>
             <a:endParaRPr lang="en-US"/>
           </a:p>
@@ -2262,7 +2700,7 @@
           <a:p>
             <a:fld id="{6A667C7A-16AE-6244-AECE-C84C48B6E069}" type="datetimeFigureOut">
               <a:rPr lang="en-US" smtClean="0"/>
-              <a:t>02/09/18</a:t>
+              <a:t>03/09/18</a:t>
             </a:fld>
             <a:endParaRPr lang="en-US"/>
           </a:p>
@@ -2515,7 +2953,7 @@
           <a:p>
             <a:fld id="{6A667C7A-16AE-6244-AECE-C84C48B6E069}" type="datetimeFigureOut">
               <a:rPr lang="en-US" smtClean="0"/>
-              <a:t>02/09/18</a:t>
+              <a:t>03/09/18</a:t>
             </a:fld>
             <a:endParaRPr lang="en-US"/>
           </a:p>
@@ -2728,7 +3166,7 @@
           <a:p>
             <a:fld id="{6A667C7A-16AE-6244-AECE-C84C48B6E069}" type="datetimeFigureOut">
               <a:rPr lang="en-US" smtClean="0"/>
-              <a:t>02/09/18</a:t>
+              <a:t>03/09/18</a:t>
             </a:fld>
             <a:endParaRPr lang="en-US"/>
           </a:p>
@@ -3119,12 +3557,20 @@
           <a:lstStyle/>
           <a:p>
             <a:r>
-              <a:rPr lang="ko-KR" altLang="en-US" dirty="0" smtClean="0">
+              <a:rPr lang="en-US" altLang="ko-KR" dirty="0">
                 <a:latin typeface="나눔고딕"/>
                 <a:ea typeface="나눔고딕"/>
                 <a:cs typeface="나눔고딕"/>
               </a:rPr>
-              <a:t>ㅇㅇㅇ</a:t>
+              <a:t>w</a:t>
+            </a:r>
+            <a:r>
+              <a:rPr lang="en-US" altLang="ko-KR" dirty="0" smtClean="0">
+                <a:latin typeface="나눔고딕"/>
+                <a:ea typeface="나눔고딕"/>
+                <a:cs typeface="나눔고딕"/>
+              </a:rPr>
+              <a:t>ith GAIL</a:t>
             </a:r>
             <a:endParaRPr lang="en-US" dirty="0">
               <a:latin typeface="나눔고딕"/>
@@ -3157,6 +3603,343 @@
     <p:extLst>
       <p:ext uri="{BB962C8B-B14F-4D97-AF65-F5344CB8AC3E}">
         <p14:creationId xmlns:p14="http://schemas.microsoft.com/office/powerpoint/2010/main" val="498996103"/>
+      </p:ext>
+    </p:extLst>
+  </p:cSld>
+  <p:clrMapOvr>
+    <a:masterClrMapping/>
+  </p:clrMapOvr>
+</p:sld>
+</file>
+
+<file path=ppt/slides/slide10.xml><?xml version="1.0" encoding="utf-8"?>
+<p:sld xmlns:a="http://schemas.openxmlformats.org/drawingml/2006/main" xmlns:r="http://schemas.openxmlformats.org/officeDocument/2006/relationships" xmlns:p="http://schemas.openxmlformats.org/presentationml/2006/main">
+  <p:cSld>
+    <p:spTree>
+      <p:nvGrpSpPr>
+        <p:cNvPr id="1" name=""/>
+        <p:cNvGrpSpPr/>
+        <p:nvPr/>
+      </p:nvGrpSpPr>
+      <p:grpSpPr>
+        <a:xfrm>
+          <a:off x="0" y="0"/>
+          <a:ext cx="0" cy="0"/>
+          <a:chOff x="0" y="0"/>
+          <a:chExt cx="0" cy="0"/>
+        </a:xfrm>
+      </p:grpSpPr>
+      <p:sp>
+        <p:nvSpPr>
+          <p:cNvPr id="4" name="Title 1"/>
+          <p:cNvSpPr>
+            <a:spLocks noGrp="1"/>
+          </p:cNvSpPr>
+          <p:nvPr>
+            <p:ph type="title"/>
+          </p:nvPr>
+        </p:nvSpPr>
+        <p:spPr>
+          <a:xfrm>
+            <a:off x="457200" y="274638"/>
+            <a:ext cx="8229600" cy="761999"/>
+          </a:xfrm>
+        </p:spPr>
+        <p:txBody>
+          <a:bodyPr>
+            <a:normAutofit/>
+          </a:bodyPr>
+          <a:lstStyle/>
+          <a:p>
+            <a:pPr algn="l"/>
+            <a:r>
+              <a:rPr lang="en-US" sz="3200" dirty="0" smtClean="0"/>
+              <a:t>Experiment #2</a:t>
+            </a:r>
+            <a:endParaRPr lang="en-US" sz="3200" dirty="0"/>
+          </a:p>
+        </p:txBody>
+      </p:sp>
+      <p:sp>
+        <p:nvSpPr>
+          <p:cNvPr id="3" name="Rectangle 2"/>
+          <p:cNvSpPr/>
+          <p:nvPr/>
+        </p:nvSpPr>
+        <p:spPr>
+          <a:xfrm>
+            <a:off x="751606" y="2912762"/>
+            <a:ext cx="1982685" cy="1140301"/>
+          </a:xfrm>
+          <a:prstGeom prst="rect">
+            <a:avLst/>
+          </a:prstGeom>
+        </p:spPr>
+        <p:style>
+          <a:lnRef idx="1">
+            <a:schemeClr val="accent1"/>
+          </a:lnRef>
+          <a:fillRef idx="3">
+            <a:schemeClr val="accent1"/>
+          </a:fillRef>
+          <a:effectRef idx="2">
+            <a:schemeClr val="accent1"/>
+          </a:effectRef>
+          <a:fontRef idx="minor">
+            <a:schemeClr val="lt1"/>
+          </a:fontRef>
+        </p:style>
+        <p:txBody>
+          <a:bodyPr rtlCol="0" anchor="ctr"/>
+          <a:lstStyle/>
+          <a:p>
+            <a:pPr algn="ctr"/>
+            <a:r>
+              <a:rPr lang="en-US" dirty="0" smtClean="0"/>
+              <a:t>PPO Agent by reward</a:t>
+            </a:r>
+            <a:endParaRPr lang="en-US" dirty="0"/>
+          </a:p>
+        </p:txBody>
+      </p:sp>
+      <p:sp>
+        <p:nvSpPr>
+          <p:cNvPr id="5" name="Rectangle 4"/>
+          <p:cNvSpPr/>
+          <p:nvPr/>
+        </p:nvSpPr>
+        <p:spPr>
+          <a:xfrm>
+            <a:off x="3314329" y="1513301"/>
+            <a:ext cx="1982685" cy="1140301"/>
+          </a:xfrm>
+          <a:prstGeom prst="rect">
+            <a:avLst/>
+          </a:prstGeom>
+        </p:spPr>
+        <p:style>
+          <a:lnRef idx="1">
+            <a:schemeClr val="accent1"/>
+          </a:lnRef>
+          <a:fillRef idx="3">
+            <a:schemeClr val="accent1"/>
+          </a:fillRef>
+          <a:effectRef idx="2">
+            <a:schemeClr val="accent1"/>
+          </a:effectRef>
+          <a:fontRef idx="minor">
+            <a:schemeClr val="lt1"/>
+          </a:fontRef>
+        </p:style>
+        <p:txBody>
+          <a:bodyPr rtlCol="0" anchor="ctr"/>
+          <a:lstStyle/>
+          <a:p>
+            <a:pPr algn="ctr"/>
+            <a:r>
+              <a:rPr lang="en-US" dirty="0" smtClean="0"/>
+              <a:t>PPO Agent by reward</a:t>
+            </a:r>
+            <a:endParaRPr lang="en-US" dirty="0"/>
+          </a:p>
+        </p:txBody>
+      </p:sp>
+      <p:sp>
+        <p:nvSpPr>
+          <p:cNvPr id="6" name="Rectangle 5"/>
+          <p:cNvSpPr/>
+          <p:nvPr/>
+        </p:nvSpPr>
+        <p:spPr>
+          <a:xfrm>
+            <a:off x="5812258" y="1513301"/>
+            <a:ext cx="1982685" cy="1140301"/>
+          </a:xfrm>
+          <a:prstGeom prst="rect">
+            <a:avLst/>
+          </a:prstGeom>
+        </p:spPr>
+        <p:style>
+          <a:lnRef idx="1">
+            <a:schemeClr val="accent1"/>
+          </a:lnRef>
+          <a:fillRef idx="3">
+            <a:schemeClr val="accent1"/>
+          </a:fillRef>
+          <a:effectRef idx="2">
+            <a:schemeClr val="accent1"/>
+          </a:effectRef>
+          <a:fontRef idx="minor">
+            <a:schemeClr val="lt1"/>
+          </a:fontRef>
+        </p:style>
+        <p:txBody>
+          <a:bodyPr rtlCol="0" anchor="ctr"/>
+          <a:lstStyle/>
+          <a:p>
+            <a:pPr algn="ctr"/>
+            <a:r>
+              <a:rPr lang="en-US" dirty="0" smtClean="0"/>
+              <a:t>PPO Agent by reward</a:t>
+            </a:r>
+            <a:endParaRPr lang="en-US" dirty="0"/>
+          </a:p>
+        </p:txBody>
+      </p:sp>
+      <p:sp>
+        <p:nvSpPr>
+          <p:cNvPr id="2" name="TextBox 1"/>
+          <p:cNvSpPr txBox="1"/>
+          <p:nvPr/>
+        </p:nvSpPr>
+        <p:spPr>
+          <a:xfrm>
+            <a:off x="3447021" y="3258957"/>
+            <a:ext cx="3987887" cy="369332"/>
+          </a:xfrm>
+          <a:prstGeom prst="rect">
+            <a:avLst/>
+          </a:prstGeom>
+          <a:noFill/>
+        </p:spPr>
+        <p:txBody>
+          <a:bodyPr wrap="none" rtlCol="0">
+            <a:spAutoFit/>
+          </a:bodyPr>
+          <a:lstStyle/>
+          <a:p>
+            <a:r>
+              <a:rPr lang="ko-KR" altLang="en-US" dirty="0" smtClean="0"/>
+              <a:t>이긴 </a:t>
+            </a:r>
+            <a:r>
+              <a:rPr lang="en-US" altLang="ko-KR" dirty="0" smtClean="0"/>
+              <a:t>Agent</a:t>
+            </a:r>
+            <a:r>
+              <a:rPr lang="ko-KR" altLang="en-US" dirty="0" smtClean="0"/>
+              <a:t>의 </a:t>
+            </a:r>
+            <a:r>
+              <a:rPr lang="en-US" altLang="ko-KR" dirty="0" smtClean="0"/>
+              <a:t>Trajectory</a:t>
+            </a:r>
+            <a:r>
+              <a:rPr lang="ko-KR" altLang="en-US" dirty="0" smtClean="0"/>
+              <a:t>로 </a:t>
+            </a:r>
+            <a:r>
+              <a:rPr lang="en-US" altLang="ko-KR" dirty="0" smtClean="0"/>
+              <a:t>Agent</a:t>
+            </a:r>
+            <a:r>
+              <a:rPr lang="en-US" altLang="ko-KR" dirty="0"/>
+              <a:t> </a:t>
+            </a:r>
+            <a:r>
+              <a:rPr lang="en-US" altLang="ko-KR" dirty="0" smtClean="0"/>
+              <a:t>Update</a:t>
+            </a:r>
+            <a:endParaRPr lang="en-US" dirty="0"/>
+          </a:p>
+        </p:txBody>
+      </p:sp>
+      <p:sp>
+        <p:nvSpPr>
+          <p:cNvPr id="7" name="TextBox 6"/>
+          <p:cNvSpPr txBox="1"/>
+          <p:nvPr/>
+        </p:nvSpPr>
+        <p:spPr>
+          <a:xfrm>
+            <a:off x="2538546" y="1937245"/>
+            <a:ext cx="659155" cy="369332"/>
+          </a:xfrm>
+          <a:prstGeom prst="rect">
+            <a:avLst/>
+          </a:prstGeom>
+          <a:noFill/>
+        </p:spPr>
+        <p:txBody>
+          <a:bodyPr wrap="none" rtlCol="0">
+            <a:spAutoFit/>
+          </a:bodyPr>
+          <a:lstStyle/>
+          <a:p>
+            <a:r>
+              <a:rPr lang="en-US" dirty="0" smtClean="0"/>
+              <a:t>Copy</a:t>
+            </a:r>
+            <a:endParaRPr lang="en-US" dirty="0"/>
+          </a:p>
+        </p:txBody>
+      </p:sp>
+      <p:sp>
+        <p:nvSpPr>
+          <p:cNvPr id="8" name="Rectangle 7"/>
+          <p:cNvSpPr/>
+          <p:nvPr/>
+        </p:nvSpPr>
+        <p:spPr>
+          <a:xfrm>
+            <a:off x="4305671" y="4490219"/>
+            <a:ext cx="1982685" cy="1140301"/>
+          </a:xfrm>
+          <a:prstGeom prst="rect">
+            <a:avLst/>
+          </a:prstGeom>
+        </p:spPr>
+        <p:style>
+          <a:lnRef idx="1">
+            <a:schemeClr val="accent1"/>
+          </a:lnRef>
+          <a:fillRef idx="3">
+            <a:schemeClr val="accent1"/>
+          </a:fillRef>
+          <a:effectRef idx="2">
+            <a:schemeClr val="accent1"/>
+          </a:effectRef>
+          <a:fontRef idx="minor">
+            <a:schemeClr val="lt1"/>
+          </a:fontRef>
+        </p:style>
+        <p:txBody>
+          <a:bodyPr rtlCol="0" anchor="ctr"/>
+          <a:lstStyle/>
+          <a:p>
+            <a:pPr algn="ctr"/>
+            <a:r>
+              <a:rPr lang="en-US" altLang="ko-KR" dirty="0"/>
+              <a:t> </a:t>
+            </a:r>
+            <a:r>
+              <a:rPr lang="ko-KR" altLang="en-US" dirty="0" smtClean="0"/>
+              <a:t>초기 </a:t>
+            </a:r>
+            <a:r>
+              <a:rPr lang="en-US" altLang="ko-KR" dirty="0" smtClean="0"/>
+              <a:t>Agent</a:t>
+            </a:r>
+            <a:r>
+              <a:rPr lang="ko-KR" altLang="en-US" dirty="0" smtClean="0"/>
+              <a:t>와</a:t>
+            </a:r>
+            <a:endParaRPr lang="en-US" altLang="ko-KR" dirty="0" smtClean="0"/>
+          </a:p>
+          <a:p>
+            <a:pPr algn="ctr"/>
+            <a:r>
+              <a:rPr lang="ko-KR" altLang="en-US" dirty="0" smtClean="0"/>
+              <a:t>대결</a:t>
+            </a:r>
+            <a:endParaRPr lang="en-US" dirty="0"/>
+          </a:p>
+        </p:txBody>
+      </p:sp>
+    </p:spTree>
+    <p:extLst>
+      <p:ext uri="{BB962C8B-B14F-4D97-AF65-F5344CB8AC3E}">
+        <p14:creationId xmlns:p14="http://schemas.microsoft.com/office/powerpoint/2010/main" val="2257218089"/>
       </p:ext>
     </p:extLst>
   </p:cSld>
@@ -3208,7 +3991,27 @@
             <a:pPr algn="l"/>
             <a:r>
               <a:rPr lang="en-US" sz="3200" dirty="0" smtClean="0"/>
-              <a:t>Motivation - RL</a:t>
+              <a:t>Motivation </a:t>
+            </a:r>
+            <a:r>
+              <a:rPr lang="mr-IN" sz="3200" dirty="0" smtClean="0"/>
+              <a:t>–</a:t>
+            </a:r>
+            <a:r>
+              <a:rPr lang="en-US" sz="3200" dirty="0" smtClean="0"/>
+              <a:t> Real-world</a:t>
+            </a:r>
+            <a:r>
+              <a:rPr lang="ko-KR" altLang="en-US" sz="3200" dirty="0" smtClean="0"/>
+              <a:t>에서</a:t>
+            </a:r>
+            <a:r>
+              <a:rPr lang="en-US" altLang="ko-KR" sz="3200" dirty="0" smtClean="0"/>
+              <a:t> </a:t>
+            </a:r>
+            <a:r>
+              <a:rPr lang="en-US" sz="3200" dirty="0" smtClean="0"/>
+              <a:t>RL</a:t>
             </a:r>
             <a:r>
               <a:rPr lang="ko-KR" altLang="en-US" sz="3200" dirty="0" smtClean="0"/>
@@ -3240,8 +4043,8 @@
         </p:blipFill>
         <p:spPr>
           <a:xfrm>
-            <a:off x="301695" y="2055506"/>
-            <a:ext cx="4569205" cy="2414990"/>
+            <a:off x="1642731" y="1939404"/>
+            <a:ext cx="3095700" cy="1636189"/>
           </a:xfrm>
           <a:prstGeom prst="rect">
             <a:avLst/>
@@ -3256,8 +4059,8 @@
         </p:nvSpPr>
         <p:spPr>
           <a:xfrm>
-            <a:off x="5055809" y="1969610"/>
-            <a:ext cx="3852337" cy="646331"/>
+            <a:off x="470313" y="3932397"/>
+            <a:ext cx="5161614" cy="1631216"/>
           </a:xfrm>
           <a:prstGeom prst="rect">
             <a:avLst/>
@@ -3270,25 +4073,55 @@
           </a:bodyPr>
           <a:lstStyle/>
           <a:p>
-            <a:pPr marL="285750" indent="-285750">
-              <a:buFontTx/>
-              <a:buChar char="-"/>
-            </a:pPr>
-            <a:r>
-              <a:rPr lang="en-US" altLang="ko-KR" dirty="0" smtClean="0"/>
-              <a:t>High-dimensional observation space</a:t>
-            </a:r>
-          </a:p>
-          <a:p>
-            <a:pPr marL="285750" indent="-285750">
-              <a:buFontTx/>
-              <a:buChar char="-"/>
-            </a:pPr>
-            <a:r>
-              <a:rPr lang="en-US" altLang="ko-KR" dirty="0" smtClean="0"/>
-              <a:t>Sparse Reward </a:t>
-            </a:r>
-            <a:endParaRPr lang="en-US" dirty="0"/>
+            <a:r>
+              <a:rPr lang="en-US" altLang="ko-KR" sz="2000" dirty="0" smtClean="0"/>
+              <a:t>Real-world domains,</a:t>
+            </a:r>
+          </a:p>
+          <a:p>
+            <a:r>
+              <a:rPr lang="en-US" altLang="ko-KR" sz="2000" dirty="0"/>
+              <a:t> </a:t>
+            </a:r>
+            <a:r>
+              <a:rPr lang="en-US" altLang="ko-KR" sz="2000" dirty="0" smtClean="0"/>
+              <a:t>1. </a:t>
+            </a:r>
+            <a:r>
+              <a:rPr lang="en-US" altLang="ko-KR" sz="2000" dirty="0" smtClean="0"/>
+              <a:t>Reward/Cost often difficult to specify</a:t>
+            </a:r>
+          </a:p>
+          <a:p>
+            <a:r>
+              <a:rPr lang="en-US" altLang="ko-KR" sz="2000" dirty="0" smtClean="0"/>
+              <a:t>   - High</a:t>
+            </a:r>
+            <a:r>
+              <a:rPr lang="en-US" altLang="ko-KR" sz="2000" dirty="0" smtClean="0"/>
+              <a:t>-dimensional observation space</a:t>
+            </a:r>
+          </a:p>
+          <a:p>
+            <a:r>
+              <a:rPr lang="en-US" altLang="ko-KR" sz="2000" dirty="0"/>
+              <a:t> </a:t>
+            </a:r>
+            <a:r>
+              <a:rPr lang="en-US" altLang="ko-KR" sz="2000" dirty="0" smtClean="0"/>
+              <a:t>  - Very </a:t>
+            </a:r>
+            <a:r>
+              <a:rPr lang="en-US" altLang="ko-KR" sz="2000" dirty="0" smtClean="0"/>
+              <a:t>Sparse Reward</a:t>
+            </a:r>
+          </a:p>
+          <a:p>
+            <a:r>
+              <a:rPr lang="en-US" altLang="ko-KR" sz="2000" dirty="0" smtClean="0"/>
+              <a:t> 2. Action Execution takes long, Safety Concerns</a:t>
+            </a:r>
+            <a:endParaRPr lang="en-US" sz="2000" dirty="0"/>
           </a:p>
         </p:txBody>
       </p:sp>
@@ -3300,8 +4133,8 @@
         </p:nvSpPr>
         <p:spPr>
           <a:xfrm>
-            <a:off x="1603778" y="4470496"/>
-            <a:ext cx="2201357" cy="369332"/>
+            <a:off x="3589014" y="3203458"/>
+            <a:ext cx="1467068" cy="369332"/>
           </a:xfrm>
           <a:prstGeom prst="rect">
             <a:avLst/>
@@ -3316,16 +4149,120 @@
           <a:p>
             <a:r>
               <a:rPr lang="en-US" altLang="ko-KR" dirty="0" smtClean="0"/>
-              <a:t>Optimal Policy</a:t>
-            </a:r>
-            <a:r>
-              <a:rPr lang="ko-KR" altLang="en-US" dirty="0" smtClean="0"/>
-              <a:t>를 찾음</a:t>
+              <a:t>Learn Policies</a:t>
             </a:r>
             <a:endParaRPr lang="en-US" dirty="0" smtClean="0"/>
           </a:p>
         </p:txBody>
       </p:sp>
+      <p:pic>
+        <p:nvPicPr>
+          <p:cNvPr id="3" name="Picture 2" descr="images.jpeg"/>
+          <p:cNvPicPr>
+            <a:picLocks noChangeAspect="1"/>
+          </p:cNvPicPr>
+          <p:nvPr/>
+        </p:nvPicPr>
+        <p:blipFill>
+          <a:blip r:embed="rId3">
+            <a:extLst>
+              <a:ext uri="{28A0092B-C50C-407E-A947-70E740481C1C}">
+                <a14:useLocalDpi xmlns:a14="http://schemas.microsoft.com/office/drawing/2010/main" val="0"/>
+              </a:ext>
+            </a:extLst>
+          </a:blip>
+          <a:stretch>
+            <a:fillRect/>
+          </a:stretch>
+        </p:blipFill>
+        <p:spPr>
+          <a:xfrm>
+            <a:off x="5631927" y="3960312"/>
+            <a:ext cx="2085176" cy="1604608"/>
+          </a:xfrm>
+          <a:prstGeom prst="rect">
+            <a:avLst/>
+          </a:prstGeom>
+        </p:spPr>
+      </p:pic>
+      <p:sp>
+        <p:nvSpPr>
+          <p:cNvPr id="7" name="TextBox 6"/>
+          <p:cNvSpPr txBox="1"/>
+          <p:nvPr/>
+        </p:nvSpPr>
+        <p:spPr>
+          <a:xfrm>
+            <a:off x="526133" y="1394130"/>
+            <a:ext cx="3813865" cy="400110"/>
+          </a:xfrm>
+          <a:prstGeom prst="rect">
+            <a:avLst/>
+          </a:prstGeom>
+          <a:noFill/>
+        </p:spPr>
+        <p:txBody>
+          <a:bodyPr wrap="none" rtlCol="0">
+            <a:spAutoFit/>
+          </a:bodyPr>
+          <a:lstStyle/>
+          <a:p>
+            <a:r>
+              <a:rPr lang="en-US" sz="2000" dirty="0" smtClean="0"/>
+              <a:t>Reward Function is essential for RL</a:t>
+            </a:r>
+            <a:endParaRPr lang="en-US" sz="2000" dirty="0"/>
+          </a:p>
+        </p:txBody>
+      </p:sp>
+      <p:pic>
+        <p:nvPicPr>
+          <p:cNvPr id="8" name="Picture 7"/>
+          <p:cNvPicPr>
+            <a:picLocks noChangeAspect="1"/>
+          </p:cNvPicPr>
+          <p:nvPr/>
+        </p:nvPicPr>
+        <p:blipFill>
+          <a:blip r:embed="rId4"/>
+          <a:stretch>
+            <a:fillRect/>
+          </a:stretch>
+        </p:blipFill>
+        <p:spPr>
+          <a:xfrm>
+            <a:off x="5792658" y="1394130"/>
+            <a:ext cx="2665017" cy="1998763"/>
+          </a:xfrm>
+          <a:prstGeom prst="rect">
+            <a:avLst/>
+          </a:prstGeom>
+        </p:spPr>
+      </p:pic>
+      <p:pic>
+        <p:nvPicPr>
+          <p:cNvPr id="9" name="Picture 8"/>
+          <p:cNvPicPr>
+            <a:picLocks noChangeAspect="1"/>
+          </p:cNvPicPr>
+          <p:nvPr/>
+        </p:nvPicPr>
+        <p:blipFill>
+          <a:blip r:embed="rId5"/>
+          <a:stretch>
+            <a:fillRect/>
+          </a:stretch>
+        </p:blipFill>
+        <p:spPr>
+          <a:xfrm>
+            <a:off x="7034646" y="4646828"/>
+            <a:ext cx="1833569" cy="1833569"/>
+          </a:xfrm>
+          <a:prstGeom prst="rect">
+            <a:avLst/>
+          </a:prstGeom>
+        </p:spPr>
+      </p:pic>
     </p:spTree>
     <p:extLst>
       <p:ext uri="{BB962C8B-B14F-4D97-AF65-F5344CB8AC3E}">
@@ -3381,7 +4318,19 @@
             <a:pPr algn="l"/>
             <a:r>
               <a:rPr lang="en-US" sz="3200" dirty="0" smtClean="0"/>
-              <a:t>Goals - Imitation Learning</a:t>
+              <a:t>Goals </a:t>
+            </a:r>
+            <a:r>
+              <a:rPr lang="mr-IN" sz="3200" dirty="0" smtClean="0"/>
+              <a:t>–</a:t>
+            </a:r>
+            <a:r>
+              <a:rPr lang="en-US" sz="3200" dirty="0" smtClean="0"/>
+              <a:t> Apply Imitation </a:t>
+            </a:r>
+            <a:r>
+              <a:rPr lang="en-US" sz="3200" dirty="0" smtClean="0"/>
+              <a:t>Learning</a:t>
             </a:r>
             <a:endParaRPr lang="en-US" sz="3200" dirty="0"/>
           </a:p>
@@ -3602,6 +4551,36 @@
           </a:p>
         </p:txBody>
       </p:sp>
+      <p:pic>
+        <p:nvPicPr>
+          <p:cNvPr id="3" name="Picture 2" descr="스크린샷 2018-09-03 오전 12.42.03.png"/>
+          <p:cNvPicPr>
+            <a:picLocks noChangeAspect="1"/>
+          </p:cNvPicPr>
+          <p:nvPr/>
+        </p:nvPicPr>
+        <p:blipFill>
+          <a:blip r:embed="rId2">
+            <a:extLst>
+              <a:ext uri="{28A0092B-C50C-407E-A947-70E740481C1C}">
+                <a14:useLocalDpi xmlns:a14="http://schemas.microsoft.com/office/drawing/2010/main" val="0"/>
+              </a:ext>
+            </a:extLst>
+          </a:blip>
+          <a:stretch>
+            <a:fillRect/>
+          </a:stretch>
+        </p:blipFill>
+        <p:spPr>
+          <a:xfrm>
+            <a:off x="6265785" y="1036637"/>
+            <a:ext cx="4538857" cy="2620158"/>
+          </a:xfrm>
+          <a:prstGeom prst="rect">
+            <a:avLst/>
+          </a:prstGeom>
+        </p:spPr>
+      </p:pic>
     </p:spTree>
     <p:extLst>
       <p:ext uri="{BB962C8B-B14F-4D97-AF65-F5344CB8AC3E}">
@@ -3846,11 +4825,15 @@
             </a:pPr>
             <a:r>
               <a:rPr lang="en-US" sz="2800" dirty="0" smtClean="0"/>
-              <a:t>Algorithm:</a:t>
+              <a:t>Algorithm: </a:t>
             </a:r>
             <a:r>
               <a:rPr lang="en-US" sz="2800" dirty="0" smtClean="0"/>
-              <a:t> Original GAIL, </a:t>
+              <a:t>GAIL</a:t>
+            </a:r>
+            <a:r>
+              <a:rPr lang="en-US" sz="2800" dirty="0" smtClean="0"/>
+              <a:t>, </a:t>
             </a:r>
             <a:r>
               <a:rPr lang="en-US" sz="2800" dirty="0" err="1" smtClean="0"/>
@@ -3868,8 +4851,25 @@
             </a:pPr>
             <a:r>
               <a:rPr lang="en-US" sz="2800" dirty="0" smtClean="0"/>
-              <a:t>Agent: TRPO -&gt; PPO</a:t>
-            </a:r>
+              <a:t>Training Agent</a:t>
+            </a:r>
+            <a:r>
+              <a:rPr lang="en-US" sz="2800" dirty="0" smtClean="0"/>
+              <a:t>: </a:t>
+            </a:r>
+            <a:r>
+              <a:rPr lang="en-US" sz="2800" dirty="0" smtClean="0"/>
+              <a:t>TRPO(True Region Policy Optimization) </a:t>
+            </a:r>
+            <a:r>
+              <a:rPr lang="en-US" sz="2800" dirty="0" smtClean="0"/>
+              <a:t>-&gt; </a:t>
+            </a:r>
+            <a:r>
+              <a:rPr lang="en-US" sz="2800" dirty="0" smtClean="0"/>
+              <a:t>PPO(Proximal Policy Optimization)</a:t>
+            </a:r>
+            <a:endParaRPr lang="en-US" sz="2800" dirty="0" smtClean="0"/>
           </a:p>
           <a:p>
             <a:pPr marL="457200" indent="-457200" algn="l">
@@ -3881,13 +4881,26 @@
               <a:t>Cost Function: </a:t>
             </a:r>
             <a:r>
-              <a:rPr lang="en-US" sz="2800" dirty="0" err="1" smtClean="0"/>
-              <a:t>Vanila</a:t>
-            </a:r>
-            <a:r>
               <a:rPr lang="en-US" sz="2800" dirty="0" smtClean="0"/>
-              <a:t> GAN -&gt; WS GAN</a:t>
-            </a:r>
+              <a:t>GAN </a:t>
+            </a:r>
+            <a:r>
+              <a:rPr lang="en-US" sz="2800" dirty="0" smtClean="0"/>
+              <a:t>-&gt; </a:t>
+            </a:r>
+            <a:r>
+              <a:rPr lang="en-US" sz="2800" dirty="0" smtClean="0"/>
+              <a:t>WGAN(</a:t>
+            </a:r>
+            <a:r>
+              <a:rPr lang="en-US" sz="2800" dirty="0"/>
+              <a:t>W</a:t>
+            </a:r>
+            <a:r>
+              <a:rPr lang="en-US" sz="2800" dirty="0" smtClean="0"/>
+              <a:t>asserstein Distance)</a:t>
+            </a:r>
+            <a:endParaRPr lang="en-US" sz="2800" dirty="0" smtClean="0"/>
           </a:p>
           <a:p>
             <a:pPr marL="457200" indent="-457200" algn="l">
@@ -3963,12 +4976,126 @@
             <a:pPr algn="l"/>
             <a:r>
               <a:rPr lang="en-US" sz="3200" dirty="0" smtClean="0"/>
-              <a:t>COCOB: No Need leaning-rate Optimizer</a:t>
+              <a:t>COCOB: </a:t>
+            </a:r>
+            <a:r>
+              <a:rPr lang="en-US" sz="3200" dirty="0" smtClean="0"/>
+              <a:t>Optimizer without Learning Rate</a:t>
             </a:r>
             <a:endParaRPr lang="en-US" sz="3200" dirty="0"/>
           </a:p>
         </p:txBody>
       </p:sp>
+      <p:sp>
+        <p:nvSpPr>
+          <p:cNvPr id="3" name="TextBox 2"/>
+          <p:cNvSpPr txBox="1"/>
+          <p:nvPr/>
+        </p:nvSpPr>
+        <p:spPr>
+          <a:xfrm>
+            <a:off x="457200" y="6085144"/>
+            <a:ext cx="7790193" cy="276999"/>
+          </a:xfrm>
+          <a:prstGeom prst="rect">
+            <a:avLst/>
+          </a:prstGeom>
+          <a:noFill/>
+        </p:spPr>
+        <p:txBody>
+          <a:bodyPr wrap="square" rtlCol="0">
+            <a:spAutoFit/>
+          </a:bodyPr>
+          <a:lstStyle/>
+          <a:p>
+            <a:r>
+              <a:rPr lang="en-US" sz="1200" dirty="0"/>
+              <a:t>Training Deep Networks without Learning Rates Through Coin </a:t>
+            </a:r>
+            <a:r>
+              <a:rPr lang="en-US" sz="1200" dirty="0" smtClean="0"/>
+              <a:t>Betting, Francesco </a:t>
+            </a:r>
+            <a:r>
+              <a:rPr lang="en-US" sz="1200" dirty="0" err="1" smtClean="0"/>
+              <a:t>Orabona</a:t>
+            </a:r>
+            <a:r>
+              <a:rPr lang="en-US" sz="1200" dirty="0" smtClean="0"/>
+              <a:t>, NIPS 2017,</a:t>
+            </a:r>
+            <a:r>
+              <a:rPr lang="is-IS" sz="1200" dirty="0"/>
+              <a:t> arXiv:</a:t>
+            </a:r>
+            <a:r>
+              <a:rPr lang="is-IS" sz="1200" dirty="0" smtClean="0"/>
+              <a:t>1705.07795</a:t>
+            </a:r>
+            <a:endParaRPr lang="en-US" sz="1200" dirty="0"/>
+          </a:p>
+        </p:txBody>
+      </p:sp>
+      <p:pic>
+        <p:nvPicPr>
+          <p:cNvPr id="7" name="Picture 6" descr="스크린샷 2018-09-03 오전 12.48.06.png"/>
+          <p:cNvPicPr>
+            <a:picLocks noChangeAspect="1"/>
+          </p:cNvPicPr>
+          <p:nvPr/>
+        </p:nvPicPr>
+        <p:blipFill>
+          <a:blip r:embed="rId3">
+            <a:extLst>
+              <a:ext uri="{28A0092B-C50C-407E-A947-70E740481C1C}">
+                <a14:useLocalDpi xmlns:a14="http://schemas.microsoft.com/office/drawing/2010/main" val="0"/>
+              </a:ext>
+            </a:extLst>
+          </a:blip>
+          <a:stretch>
+            <a:fillRect/>
+          </a:stretch>
+        </p:blipFill>
+        <p:spPr>
+          <a:xfrm>
+            <a:off x="733820" y="2226530"/>
+            <a:ext cx="3047979" cy="2566168"/>
+          </a:xfrm>
+          <a:prstGeom prst="rect">
+            <a:avLst/>
+          </a:prstGeom>
+        </p:spPr>
+      </p:pic>
+      <p:pic>
+        <p:nvPicPr>
+          <p:cNvPr id="8" name="Picture 7" descr="스크린샷 2018-09-03 오전 12.48.14.png"/>
+          <p:cNvPicPr>
+            <a:picLocks noChangeAspect="1"/>
+          </p:cNvPicPr>
+          <p:nvPr/>
+        </p:nvPicPr>
+        <p:blipFill>
+          <a:blip r:embed="rId4">
+            <a:extLst>
+              <a:ext uri="{28A0092B-C50C-407E-A947-70E740481C1C}">
+                <a14:useLocalDpi xmlns:a14="http://schemas.microsoft.com/office/drawing/2010/main" val="0"/>
+              </a:ext>
+            </a:extLst>
+          </a:blip>
+          <a:stretch>
+            <a:fillRect/>
+          </a:stretch>
+        </p:blipFill>
+        <p:spPr>
+          <a:xfrm>
+            <a:off x="4327009" y="2184662"/>
+            <a:ext cx="3306365" cy="2790089"/>
+          </a:xfrm>
+          <a:prstGeom prst="rect">
+            <a:avLst/>
+          </a:prstGeom>
+        </p:spPr>
+      </p:pic>
     </p:spTree>
     <p:extLst>
       <p:ext uri="{BB962C8B-B14F-4D97-AF65-F5344CB8AC3E}">
@@ -3999,9 +5126,63 @@
           <a:chExt cx="0" cy="0"/>
         </a:xfrm>
       </p:grpSpPr>
-      <p:sp>
-        <p:nvSpPr>
-          <p:cNvPr id="4" name="Title 1"/>
+      <p:pic>
+        <p:nvPicPr>
+          <p:cNvPr id="4" name="Picture 3"/>
+          <p:cNvPicPr>
+            <a:picLocks noChangeAspect="1"/>
+          </p:cNvPicPr>
+          <p:nvPr/>
+        </p:nvPicPr>
+        <p:blipFill>
+          <a:blip r:embed="rId2"/>
+          <a:stretch>
+            <a:fillRect/>
+          </a:stretch>
+        </p:blipFill>
+        <p:spPr>
+          <a:xfrm>
+            <a:off x="284398" y="2430572"/>
+            <a:ext cx="4792082" cy="2683566"/>
+          </a:xfrm>
+          <a:prstGeom prst="rect">
+            <a:avLst/>
+          </a:prstGeom>
+        </p:spPr>
+      </p:pic>
+      <p:pic>
+        <p:nvPicPr>
+          <p:cNvPr id="6" name="Picture 5" descr="pong_frame.png"/>
+          <p:cNvPicPr>
+            <a:picLocks noChangeAspect="1"/>
+          </p:cNvPicPr>
+          <p:nvPr/>
+        </p:nvPicPr>
+        <p:blipFill>
+          <a:blip r:embed="rId3">
+            <a:extLst>
+              <a:ext uri="{28A0092B-C50C-407E-A947-70E740481C1C}">
+                <a14:useLocalDpi xmlns:a14="http://schemas.microsoft.com/office/drawing/2010/main" val="0"/>
+              </a:ext>
+            </a:extLst>
+          </a:blip>
+          <a:stretch>
+            <a:fillRect/>
+          </a:stretch>
+        </p:blipFill>
+        <p:spPr>
+          <a:xfrm>
+            <a:off x="5782605" y="1889028"/>
+            <a:ext cx="3225800" cy="4229100"/>
+          </a:xfrm>
+          <a:prstGeom prst="rect">
+            <a:avLst/>
+          </a:prstGeom>
+        </p:spPr>
+      </p:pic>
+      <p:sp>
+        <p:nvSpPr>
+          <p:cNvPr id="7" name="Title 1"/>
           <p:cNvSpPr>
             <a:spLocks noGrp="1"/>
           </p:cNvSpPr>
@@ -4024,258 +5205,16 @@
             <a:pPr algn="l"/>
             <a:r>
               <a:rPr lang="en-US" sz="3200" dirty="0" smtClean="0"/>
-              <a:t>Experiment #1 </a:t>
-            </a:r>
-            <a:r>
-              <a:rPr lang="mr-IN" sz="3200" dirty="0" smtClean="0"/>
-              <a:t>–</a:t>
-            </a:r>
-            <a:r>
-              <a:rPr lang="en-US" sz="3200" dirty="0" smtClean="0"/>
-              <a:t> Reward Based vs. E.T. Based</a:t>
+              <a:t>Environment</a:t>
             </a:r>
             <a:endParaRPr lang="en-US" sz="3200" dirty="0"/>
-          </a:p>
-        </p:txBody>
-      </p:sp>
-      <p:sp>
-        <p:nvSpPr>
-          <p:cNvPr id="3" name="Rectangle 2"/>
-          <p:cNvSpPr/>
-          <p:nvPr/>
-        </p:nvSpPr>
-        <p:spPr>
-          <a:xfrm>
-            <a:off x="868234" y="2497789"/>
-            <a:ext cx="1982685" cy="1140301"/>
-          </a:xfrm>
-          <a:prstGeom prst="rect">
-            <a:avLst/>
-          </a:prstGeom>
-        </p:spPr>
-        <p:style>
-          <a:lnRef idx="1">
-            <a:schemeClr val="accent1"/>
-          </a:lnRef>
-          <a:fillRef idx="3">
-            <a:schemeClr val="accent1"/>
-          </a:fillRef>
-          <a:effectRef idx="2">
-            <a:schemeClr val="accent1"/>
-          </a:effectRef>
-          <a:fontRef idx="minor">
-            <a:schemeClr val="lt1"/>
-          </a:fontRef>
-        </p:style>
-        <p:txBody>
-          <a:bodyPr rtlCol="0" anchor="ctr"/>
-          <a:lstStyle/>
-          <a:p>
-            <a:pPr algn="ctr"/>
-            <a:r>
-              <a:rPr lang="en-US" dirty="0" smtClean="0"/>
-              <a:t>PPO Agent by reward</a:t>
-            </a:r>
-            <a:endParaRPr lang="en-US" dirty="0"/>
-          </a:p>
-        </p:txBody>
-      </p:sp>
-      <p:sp>
-        <p:nvSpPr>
-          <p:cNvPr id="5" name="Rectangle 4"/>
-          <p:cNvSpPr/>
-          <p:nvPr/>
-        </p:nvSpPr>
-        <p:spPr>
-          <a:xfrm>
-            <a:off x="3573503" y="2497789"/>
-            <a:ext cx="1982685" cy="1140301"/>
-          </a:xfrm>
-          <a:prstGeom prst="rect">
-            <a:avLst/>
-          </a:prstGeom>
-        </p:spPr>
-        <p:style>
-          <a:lnRef idx="1">
-            <a:schemeClr val="accent1"/>
-          </a:lnRef>
-          <a:fillRef idx="3">
-            <a:schemeClr val="accent1"/>
-          </a:fillRef>
-          <a:effectRef idx="2">
-            <a:schemeClr val="accent1"/>
-          </a:effectRef>
-          <a:fontRef idx="minor">
-            <a:schemeClr val="lt1"/>
-          </a:fontRef>
-        </p:style>
-        <p:txBody>
-          <a:bodyPr rtlCol="0" anchor="ctr"/>
-          <a:lstStyle/>
-          <a:p>
-            <a:pPr algn="ctr"/>
-            <a:r>
-              <a:rPr lang="en-US" dirty="0" smtClean="0"/>
-              <a:t>Transfer Learning</a:t>
-            </a:r>
-          </a:p>
-          <a:p>
-            <a:pPr algn="ctr"/>
-            <a:r>
-              <a:rPr lang="en-US" dirty="0" smtClean="0"/>
-              <a:t>By Export Trajectory</a:t>
-            </a:r>
-          </a:p>
-          <a:p>
-            <a:pPr algn="ctr"/>
-            <a:r>
-              <a:rPr lang="en-US" dirty="0" smtClean="0"/>
-              <a:t>Using GAIL</a:t>
-            </a:r>
-            <a:endParaRPr lang="en-US" dirty="0"/>
-          </a:p>
-        </p:txBody>
-      </p:sp>
-      <p:sp>
-        <p:nvSpPr>
-          <p:cNvPr id="6" name="Rectangle 5"/>
-          <p:cNvSpPr/>
-          <p:nvPr/>
-        </p:nvSpPr>
-        <p:spPr>
-          <a:xfrm>
-            <a:off x="3573503" y="4192186"/>
-            <a:ext cx="1982685" cy="1140301"/>
-          </a:xfrm>
-          <a:prstGeom prst="rect">
-            <a:avLst/>
-          </a:prstGeom>
-        </p:spPr>
-        <p:style>
-          <a:lnRef idx="1">
-            <a:schemeClr val="accent1"/>
-          </a:lnRef>
-          <a:fillRef idx="3">
-            <a:schemeClr val="accent1"/>
-          </a:fillRef>
-          <a:effectRef idx="2">
-            <a:schemeClr val="accent1"/>
-          </a:effectRef>
-          <a:fontRef idx="minor">
-            <a:schemeClr val="lt1"/>
-          </a:fontRef>
-        </p:style>
-        <p:txBody>
-          <a:bodyPr rtlCol="0" anchor="ctr"/>
-          <a:lstStyle/>
-          <a:p>
-            <a:pPr algn="ctr"/>
-            <a:r>
-              <a:rPr lang="en-US" dirty="0" smtClean="0"/>
-              <a:t>More Training</a:t>
-            </a:r>
-          </a:p>
-          <a:p>
-            <a:pPr algn="ctr"/>
-            <a:r>
-              <a:rPr lang="en-US" dirty="0" smtClean="0"/>
-              <a:t>PPO Agent </a:t>
-            </a:r>
-          </a:p>
-          <a:p>
-            <a:pPr algn="ctr"/>
-            <a:r>
-              <a:rPr lang="en-US" dirty="0" smtClean="0"/>
-              <a:t>By reward</a:t>
-            </a:r>
-            <a:endParaRPr lang="en-US" dirty="0"/>
-          </a:p>
-        </p:txBody>
-      </p:sp>
-      <p:sp>
-        <p:nvSpPr>
-          <p:cNvPr id="7" name="TextBox 6"/>
-          <p:cNvSpPr txBox="1"/>
-          <p:nvPr/>
-        </p:nvSpPr>
-        <p:spPr>
-          <a:xfrm>
-            <a:off x="2747250" y="1710451"/>
-            <a:ext cx="1104276" cy="369332"/>
-          </a:xfrm>
-          <a:prstGeom prst="rect">
-            <a:avLst/>
-          </a:prstGeom>
-          <a:noFill/>
-        </p:spPr>
-        <p:txBody>
-          <a:bodyPr wrap="none" rtlCol="0">
-            <a:spAutoFit/>
-          </a:bodyPr>
-          <a:lstStyle/>
-          <a:p>
-            <a:r>
-              <a:rPr lang="en-US" dirty="0" smtClean="0"/>
-              <a:t>Pong </a:t>
-            </a:r>
-            <a:r>
-              <a:rPr lang="en-US" dirty="0" err="1" smtClean="0"/>
-              <a:t>Env</a:t>
-            </a:r>
-            <a:r>
-              <a:rPr lang="en-US" dirty="0" smtClean="0"/>
-              <a:t>.</a:t>
-            </a:r>
-            <a:endParaRPr lang="en-US" dirty="0"/>
-          </a:p>
-        </p:txBody>
-      </p:sp>
-      <p:sp>
-        <p:nvSpPr>
-          <p:cNvPr id="8" name="Rectangle 7"/>
-          <p:cNvSpPr/>
-          <p:nvPr/>
-        </p:nvSpPr>
-        <p:spPr>
-          <a:xfrm>
-            <a:off x="6343565" y="3401750"/>
-            <a:ext cx="1982685" cy="1140301"/>
-          </a:xfrm>
-          <a:prstGeom prst="rect">
-            <a:avLst/>
-          </a:prstGeom>
-        </p:spPr>
-        <p:style>
-          <a:lnRef idx="1">
-            <a:schemeClr val="accent1"/>
-          </a:lnRef>
-          <a:fillRef idx="3">
-            <a:schemeClr val="accent1"/>
-          </a:fillRef>
-          <a:effectRef idx="2">
-            <a:schemeClr val="accent1"/>
-          </a:effectRef>
-          <a:fontRef idx="minor">
-            <a:schemeClr val="lt1"/>
-          </a:fontRef>
-        </p:style>
-        <p:txBody>
-          <a:bodyPr rtlCol="0" anchor="ctr"/>
-          <a:lstStyle/>
-          <a:p>
-            <a:pPr algn="ctr"/>
-            <a:r>
-              <a:rPr lang="ko-KR" altLang="en-US" smtClean="0"/>
-              <a:t>대결</a:t>
-            </a:r>
-            <a:endParaRPr lang="en-US" dirty="0"/>
           </a:p>
         </p:txBody>
       </p:sp>
     </p:spTree>
     <p:extLst>
       <p:ext uri="{BB962C8B-B14F-4D97-AF65-F5344CB8AC3E}">
-        <p14:creationId xmlns:p14="http://schemas.microsoft.com/office/powerpoint/2010/main" val="3745872707"/>
+        <p14:creationId xmlns:p14="http://schemas.microsoft.com/office/powerpoint/2010/main" val="592374051"/>
       </p:ext>
     </p:extLst>
   </p:cSld>
@@ -4327,7 +5266,15 @@
             <a:pPr algn="l"/>
             <a:r>
               <a:rPr lang="en-US" sz="3200" dirty="0" smtClean="0"/>
-              <a:t>Experiment #2</a:t>
+              <a:t>Experiment #1 </a:t>
+            </a:r>
+            <a:r>
+              <a:rPr lang="mr-IN" sz="3200" dirty="0" smtClean="0"/>
+              <a:t>–</a:t>
+            </a:r>
+            <a:r>
+              <a:rPr lang="en-US" sz="3200" dirty="0" smtClean="0"/>
+              <a:t> Reward Based vs. E.T. Based</a:t>
             </a:r>
             <a:endParaRPr lang="en-US" sz="3200" dirty="0"/>
           </a:p>
@@ -4341,7 +5288,7 @@
         </p:nvSpPr>
         <p:spPr>
           <a:xfrm>
-            <a:off x="751606" y="2912762"/>
+            <a:off x="868234" y="2497789"/>
             <a:ext cx="1982685" cy="1140301"/>
           </a:xfrm>
           <a:prstGeom prst="rect">
@@ -4369,11 +5316,7 @@
             <a:pPr algn="ctr"/>
             <a:r>
               <a:rPr lang="en-US" dirty="0" smtClean="0"/>
-              <a:t>PPO Agent by </a:t>
-            </a:r>
-            <a:r>
-              <a:rPr lang="en-US" dirty="0" smtClean="0"/>
-              <a:t>reward</a:t>
+              <a:t>PPO Agent by reward</a:t>
             </a:r>
             <a:endParaRPr lang="en-US" dirty="0"/>
           </a:p>
@@ -4387,7 +5330,7 @@
         </p:nvSpPr>
         <p:spPr>
           <a:xfrm>
-            <a:off x="3314329" y="1513301"/>
+            <a:off x="3573503" y="2497789"/>
             <a:ext cx="1982685" cy="1140301"/>
           </a:xfrm>
           <a:prstGeom prst="rect">
@@ -4415,7 +5358,21 @@
             <a:pPr algn="ctr"/>
             <a:r>
               <a:rPr lang="en-US" dirty="0" smtClean="0"/>
-              <a:t>PPO Agent by reward</a:t>
+              <a:t>Transfer Learning</a:t>
+            </a:r>
+          </a:p>
+          <a:p>
+            <a:pPr algn="ctr"/>
+            <a:r>
+              <a:rPr lang="en-US" dirty="0" smtClean="0"/>
+              <a:t>By Export Trajectory</a:t>
+            </a:r>
+          </a:p>
+          <a:p>
+            <a:pPr algn="ctr"/>
+            <a:r>
+              <a:rPr lang="en-US" dirty="0" smtClean="0"/>
+              <a:t>Using GAIL</a:t>
             </a:r>
             <a:endParaRPr lang="en-US" dirty="0"/>
           </a:p>
@@ -4429,7 +5386,7 @@
         </p:nvSpPr>
         <p:spPr>
           <a:xfrm>
-            <a:off x="5812258" y="1513301"/>
+            <a:off x="3573503" y="4192186"/>
             <a:ext cx="1982685" cy="1140301"/>
           </a:xfrm>
           <a:prstGeom prst="rect">
@@ -4457,7 +5414,21 @@
             <a:pPr algn="ctr"/>
             <a:r>
               <a:rPr lang="en-US" dirty="0" smtClean="0"/>
-              <a:t>PPO Agent by reward</a:t>
+              <a:t>More Training</a:t>
+            </a:r>
+          </a:p>
+          <a:p>
+            <a:pPr algn="ctr"/>
+            <a:r>
+              <a:rPr lang="en-US" dirty="0" smtClean="0"/>
+              <a:t>PPO Agent </a:t>
+            </a:r>
+          </a:p>
+          <a:p>
+            <a:pPr algn="ctr"/>
+            <a:r>
+              <a:rPr lang="en-US" dirty="0" smtClean="0"/>
+              <a:t>By reward</a:t>
             </a:r>
             <a:endParaRPr lang="en-US" dirty="0"/>
           </a:p>
@@ -4465,14 +5436,14 @@
       </p:sp>
       <p:sp>
         <p:nvSpPr>
-          <p:cNvPr id="2" name="TextBox 1"/>
+          <p:cNvPr id="7" name="TextBox 6"/>
           <p:cNvSpPr txBox="1"/>
           <p:nvPr/>
         </p:nvSpPr>
         <p:spPr>
           <a:xfrm>
-            <a:off x="3447021" y="3258957"/>
-            <a:ext cx="3987887" cy="369332"/>
+            <a:off x="2747250" y="1710451"/>
+            <a:ext cx="1104276" cy="369332"/>
           </a:xfrm>
           <a:prstGeom prst="rect">
             <a:avLst/>
@@ -4486,66 +5457,16 @@
           <a:lstStyle/>
           <a:p>
             <a:r>
-              <a:rPr lang="ko-KR" altLang="en-US" dirty="0" smtClean="0"/>
-              <a:t>이긴 </a:t>
-            </a:r>
-            <a:r>
-              <a:rPr lang="en-US" altLang="ko-KR" dirty="0" smtClean="0"/>
-              <a:t>Agent</a:t>
-            </a:r>
-            <a:r>
-              <a:rPr lang="ko-KR" altLang="en-US" dirty="0" smtClean="0"/>
-              <a:t>의 </a:t>
-            </a:r>
-            <a:r>
-              <a:rPr lang="en-US" altLang="ko-KR" dirty="0" smtClean="0"/>
-              <a:t>Trajectory</a:t>
-            </a:r>
-            <a:r>
-              <a:rPr lang="ko-KR" altLang="en-US" dirty="0" smtClean="0"/>
-              <a:t>로 </a:t>
-            </a:r>
-            <a:r>
-              <a:rPr lang="en-US" altLang="ko-KR" dirty="0" smtClean="0"/>
-              <a:t>Agent</a:t>
-            </a:r>
-            <a:r>
-              <a:rPr lang="en-US" altLang="ko-KR" dirty="0"/>
-              <a:t> </a:t>
-            </a:r>
-            <a:r>
-              <a:rPr lang="en-US" altLang="ko-KR" dirty="0" smtClean="0"/>
-              <a:t>Update</a:t>
-            </a:r>
-            <a:endParaRPr lang="en-US" dirty="0"/>
-          </a:p>
-        </p:txBody>
-      </p:sp>
-      <p:sp>
-        <p:nvSpPr>
-          <p:cNvPr id="7" name="TextBox 6"/>
-          <p:cNvSpPr txBox="1"/>
-          <p:nvPr/>
-        </p:nvSpPr>
-        <p:spPr>
-          <a:xfrm>
-            <a:off x="2538546" y="1937245"/>
-            <a:ext cx="659155" cy="369332"/>
-          </a:xfrm>
-          <a:prstGeom prst="rect">
-            <a:avLst/>
-          </a:prstGeom>
-          <a:noFill/>
-        </p:spPr>
-        <p:txBody>
-          <a:bodyPr wrap="none" rtlCol="0">
-            <a:spAutoFit/>
-          </a:bodyPr>
-          <a:lstStyle/>
-          <a:p>
-            <a:r>
               <a:rPr lang="en-US" dirty="0" smtClean="0"/>
-              <a:t>Copy</a:t>
+              <a:t>Pong </a:t>
+            </a:r>
+            <a:r>
+              <a:rPr lang="en-US" dirty="0" err="1" smtClean="0"/>
+              <a:t>Env</a:t>
+            </a:r>
+            <a:r>
+              <a:rPr lang="en-US" dirty="0" smtClean="0"/>
+              <a:t>.</a:t>
             </a:r>
             <a:endParaRPr lang="en-US" dirty="0"/>
           </a:p>
@@ -4559,7 +5480,7 @@
         </p:nvSpPr>
         <p:spPr>
           <a:xfrm>
-            <a:off x="4305671" y="4490219"/>
+            <a:off x="6343565" y="3401750"/>
             <a:ext cx="1982685" cy="1140301"/>
           </a:xfrm>
           <a:prstGeom prst="rect">
@@ -4586,27 +5507,7 @@
           <a:p>
             <a:pPr algn="ctr"/>
             <a:r>
-              <a:rPr lang="en-US" altLang="ko-KR" dirty="0"/>
-              <a:t> </a:t>
-            </a:r>
-            <a:r>
-              <a:rPr lang="ko-KR" altLang="en-US" dirty="0" smtClean="0"/>
-              <a:t>초기 </a:t>
-            </a:r>
-            <a:r>
-              <a:rPr lang="en-US" altLang="ko-KR" dirty="0" smtClean="0"/>
-              <a:t>Agent</a:t>
-            </a:r>
-            <a:r>
-              <a:rPr lang="ko-KR" altLang="en-US" dirty="0" smtClean="0"/>
-              <a:t>와</a:t>
-            </a:r>
-            <a:endParaRPr lang="en-US" altLang="ko-KR" dirty="0" smtClean="0"/>
-          </a:p>
-          <a:p>
-            <a:pPr algn="ctr"/>
-            <a:r>
-              <a:rPr lang="ko-KR" altLang="en-US" dirty="0" smtClean="0"/>
+              <a:rPr lang="ko-KR" altLang="en-US" smtClean="0"/>
               <a:t>대결</a:t>
             </a:r>
             <a:endParaRPr lang="en-US" dirty="0"/>
@@ -4616,7 +5517,7 @@
     </p:spTree>
     <p:extLst>
       <p:ext uri="{BB962C8B-B14F-4D97-AF65-F5344CB8AC3E}">
-        <p14:creationId xmlns:p14="http://schemas.microsoft.com/office/powerpoint/2010/main" val="2257218089"/>
+        <p14:creationId xmlns:p14="http://schemas.microsoft.com/office/powerpoint/2010/main" val="3745872707"/>
       </p:ext>
     </p:extLst>
   </p:cSld>
@@ -4944,4 +5845,324 @@
   </a:objectDefaults>
   <a:extraClrSchemeLst/>
 </a:theme>
+</file>
+
+<file path=ppt/theme/theme2.xml><?xml version="1.0" encoding="utf-8"?>
+<a:theme xmlns:a="http://schemas.openxmlformats.org/drawingml/2006/main" name="Office Theme">
+  <a:themeElements>
+    <a:clrScheme name="Office">
+      <a:dk1>
+        <a:sysClr val="windowText" lastClr="000000"/>
+      </a:dk1>
+      <a:lt1>
+        <a:sysClr val="window" lastClr="FFFFFF"/>
+      </a:lt1>
+      <a:dk2>
+        <a:srgbClr val="1F497D"/>
+      </a:dk2>
+      <a:lt2>
+        <a:srgbClr val="EEECE1"/>
+      </a:lt2>
+      <a:accent1>
+        <a:srgbClr val="4F81BD"/>
+      </a:accent1>
+      <a:accent2>
+        <a:srgbClr val="C0504D"/>
+      </a:accent2>
+      <a:accent3>
+        <a:srgbClr val="9BBB59"/>
+      </a:accent3>
+      <a:accent4>
+        <a:srgbClr val="8064A2"/>
+      </a:accent4>
+      <a:accent5>
+        <a:srgbClr val="4BACC6"/>
+      </a:accent5>
+      <a:accent6>
+        <a:srgbClr val="F79646"/>
+      </a:accent6>
+      <a:hlink>
+        <a:srgbClr val="0000FF"/>
+      </a:hlink>
+      <a:folHlink>
+        <a:srgbClr val="800080"/>
+      </a:folHlink>
+    </a:clrScheme>
+    <a:fontScheme name="Office">
+      <a:majorFont>
+        <a:latin typeface="Calibri"/>
+        <a:ea typeface=""/>
+        <a:cs typeface=""/>
+        <a:font script="Jpan" typeface="ＭＳ Ｐゴシック"/>
+        <a:font script="Hang" typeface="맑은 고딕"/>
+        <a:font script="Hans" typeface="宋体"/>
+        <a:font script="Hant" typeface="新細明體"/>
+        <a:font script="Arab" typeface="Times New Roman"/>
+        <a:font script="Hebr" typeface="Times New Roman"/>
+        <a:font script="Thai" typeface="Angsana New"/>
+        <a:font script="Ethi" typeface="Nyala"/>
+        <a:font script="Beng" typeface="Vrinda"/>
+        <a:font script="Gujr" typeface="Shruti"/>
+        <a:font script="Khmr" typeface="MoolBoran"/>
+        <a:font script="Knda" typeface="Tunga"/>
+        <a:font script="Guru" typeface="Raavi"/>
+        <a:font script="Cans" typeface="Euphemia"/>
+        <a:font script="Cher" typeface="Plantagenet Cherokee"/>
+        <a:font script="Yiii" typeface="Microsoft Yi Baiti"/>
+        <a:font script="Tibt" typeface="Microsoft Himalaya"/>
+        <a:font script="Thaa" typeface="MV Boli"/>
+        <a:font script="Deva" typeface="Mangal"/>
+        <a:font script="Telu" typeface="Gautami"/>
+        <a:font script="Taml" typeface="Latha"/>
+        <a:font script="Syrc" typeface="Estrangelo Edessa"/>
+        <a:font script="Orya" typeface="Kalinga"/>
+        <a:font script="Mlym" typeface="Kartika"/>
+        <a:font script="Laoo" typeface="DokChampa"/>
+        <a:font script="Sinh" typeface="Iskoola Pota"/>
+        <a:font script="Mong" typeface="Mongolian Baiti"/>
+        <a:font script="Viet" typeface="Times New Roman"/>
+        <a:font script="Uigh" typeface="Microsoft Uighur"/>
+        <a:font script="Geor" typeface="Sylfaen"/>
+      </a:majorFont>
+      <a:minorFont>
+        <a:latin typeface="Calibri"/>
+        <a:ea typeface=""/>
+        <a:cs typeface=""/>
+        <a:font script="Jpan" typeface="ＭＳ Ｐゴシック"/>
+        <a:font script="Hang" typeface="맑은 고딕"/>
+        <a:font script="Hans" typeface="宋体"/>
+        <a:font script="Hant" typeface="新細明體"/>
+        <a:font script="Arab" typeface="Arial"/>
+        <a:font script="Hebr" typeface="Arial"/>
+        <a:font script="Thai" typeface="Cordia New"/>
+        <a:font script="Ethi" typeface="Nyala"/>
+        <a:font script="Beng" typeface="Vrinda"/>
+        <a:font script="Gujr" typeface="Shruti"/>
+        <a:font script="Khmr" typeface="DaunPenh"/>
+        <a:font script="Knda" typeface="Tunga"/>
+        <a:font script="Guru" typeface="Raavi"/>
+        <a:font script="Cans" typeface="Euphemia"/>
+        <a:font script="Cher" typeface="Plantagenet Cherokee"/>
+        <a:font script="Yiii" typeface="Microsoft Yi Baiti"/>
+        <a:font script="Tibt" typeface="Microsoft Himalaya"/>
+        <a:font script="Thaa" typeface="MV Boli"/>
+        <a:font script="Deva" typeface="Mangal"/>
+        <a:font script="Telu" typeface="Gautami"/>
+        <a:font script="Taml" typeface="Latha"/>
+        <a:font script="Syrc" typeface="Estrangelo Edessa"/>
+        <a:font script="Orya" typeface="Kalinga"/>
+        <a:font script="Mlym" typeface="Kartika"/>
+        <a:font script="Laoo" typeface="DokChampa"/>
+        <a:font script="Sinh" typeface="Iskoola Pota"/>
+        <a:font script="Mong" typeface="Mongolian Baiti"/>
+        <a:font script="Viet" typeface="Arial"/>
+        <a:font script="Uigh" typeface="Microsoft Uighur"/>
+        <a:font script="Geor" typeface="Sylfaen"/>
+      </a:minorFont>
+    </a:fontScheme>
+    <a:fmtScheme name="Office">
+      <a:fillStyleLst>
+        <a:solidFill>
+          <a:schemeClr val="phClr"/>
+        </a:solidFill>
+        <a:gradFill rotWithShape="1">
+          <a:gsLst>
+            <a:gs pos="0">
+              <a:schemeClr val="phClr">
+                <a:tint val="50000"/>
+                <a:satMod val="300000"/>
+              </a:schemeClr>
+            </a:gs>
+            <a:gs pos="35000">
+              <a:schemeClr val="phClr">
+                <a:tint val="37000"/>
+                <a:satMod val="300000"/>
+              </a:schemeClr>
+            </a:gs>
+            <a:gs pos="100000">
+              <a:schemeClr val="phClr">
+                <a:tint val="15000"/>
+                <a:satMod val="350000"/>
+              </a:schemeClr>
+            </a:gs>
+          </a:gsLst>
+          <a:lin ang="16200000" scaled="1"/>
+        </a:gradFill>
+        <a:gradFill rotWithShape="1">
+          <a:gsLst>
+            <a:gs pos="0">
+              <a:schemeClr val="phClr">
+                <a:tint val="100000"/>
+                <a:shade val="100000"/>
+                <a:satMod val="130000"/>
+              </a:schemeClr>
+            </a:gs>
+            <a:gs pos="100000">
+              <a:schemeClr val="phClr">
+                <a:tint val="50000"/>
+                <a:shade val="100000"/>
+                <a:satMod val="350000"/>
+              </a:schemeClr>
+            </a:gs>
+          </a:gsLst>
+          <a:lin ang="16200000" scaled="0"/>
+        </a:gradFill>
+      </a:fillStyleLst>
+      <a:lnStyleLst>
+        <a:ln w="9525" cap="flat" cmpd="sng" algn="ctr">
+          <a:solidFill>
+            <a:schemeClr val="phClr">
+              <a:shade val="95000"/>
+              <a:satMod val="105000"/>
+            </a:schemeClr>
+          </a:solidFill>
+          <a:prstDash val="solid"/>
+        </a:ln>
+        <a:ln w="25400" cap="flat" cmpd="sng" algn="ctr">
+          <a:solidFill>
+            <a:schemeClr val="phClr"/>
+          </a:solidFill>
+          <a:prstDash val="solid"/>
+        </a:ln>
+        <a:ln w="38100" cap="flat" cmpd="sng" algn="ctr">
+          <a:solidFill>
+            <a:schemeClr val="phClr"/>
+          </a:solidFill>
+          <a:prstDash val="solid"/>
+        </a:ln>
+      </a:lnStyleLst>
+      <a:effectStyleLst>
+        <a:effectStyle>
+          <a:effectLst>
+            <a:outerShdw blurRad="40000" dist="20000" dir="5400000" rotWithShape="0">
+              <a:srgbClr val="000000">
+                <a:alpha val="38000"/>
+              </a:srgbClr>
+            </a:outerShdw>
+          </a:effectLst>
+        </a:effectStyle>
+        <a:effectStyle>
+          <a:effectLst>
+            <a:outerShdw blurRad="40000" dist="23000" dir="5400000" rotWithShape="0">
+              <a:srgbClr val="000000">
+                <a:alpha val="35000"/>
+              </a:srgbClr>
+            </a:outerShdw>
+          </a:effectLst>
+        </a:effectStyle>
+        <a:effectStyle>
+          <a:effectLst>
+            <a:outerShdw blurRad="40000" dist="23000" dir="5400000" rotWithShape="0">
+              <a:srgbClr val="000000">
+                <a:alpha val="35000"/>
+              </a:srgbClr>
+            </a:outerShdw>
+          </a:effectLst>
+          <a:scene3d>
+            <a:camera prst="orthographicFront">
+              <a:rot lat="0" lon="0" rev="0"/>
+            </a:camera>
+            <a:lightRig rig="threePt" dir="t">
+              <a:rot lat="0" lon="0" rev="1200000"/>
+            </a:lightRig>
+          </a:scene3d>
+          <a:sp3d>
+            <a:bevelT w="63500" h="25400"/>
+          </a:sp3d>
+        </a:effectStyle>
+      </a:effectStyleLst>
+      <a:bgFillStyleLst>
+        <a:solidFill>
+          <a:schemeClr val="phClr"/>
+        </a:solidFill>
+        <a:gradFill rotWithShape="1">
+          <a:gsLst>
+            <a:gs pos="0">
+              <a:schemeClr val="phClr">
+                <a:tint val="40000"/>
+                <a:satMod val="350000"/>
+              </a:schemeClr>
+            </a:gs>
+            <a:gs pos="40000">
+              <a:schemeClr val="phClr">
+                <a:tint val="45000"/>
+                <a:shade val="99000"/>
+                <a:satMod val="350000"/>
+              </a:schemeClr>
+            </a:gs>
+            <a:gs pos="100000">
+              <a:schemeClr val="phClr">
+                <a:shade val="20000"/>
+                <a:satMod val="255000"/>
+              </a:schemeClr>
+            </a:gs>
+          </a:gsLst>
+          <a:path path="circle">
+            <a:fillToRect l="50000" t="-80000" r="50000" b="180000"/>
+          </a:path>
+        </a:gradFill>
+        <a:gradFill rotWithShape="1">
+          <a:gsLst>
+            <a:gs pos="0">
+              <a:schemeClr val="phClr">
+                <a:tint val="80000"/>
+                <a:satMod val="300000"/>
+              </a:schemeClr>
+            </a:gs>
+            <a:gs pos="100000">
+              <a:schemeClr val="phClr">
+                <a:shade val="30000"/>
+                <a:satMod val="200000"/>
+              </a:schemeClr>
+            </a:gs>
+          </a:gsLst>
+          <a:path path="circle">
+            <a:fillToRect l="50000" t="50000" r="50000" b="50000"/>
+          </a:path>
+        </a:gradFill>
+      </a:bgFillStyleLst>
+    </a:fmtScheme>
+  </a:themeElements>
+  <a:objectDefaults>
+    <a:spDef>
+      <a:spPr/>
+      <a:bodyPr/>
+      <a:lstStyle/>
+      <a:style>
+        <a:lnRef idx="1">
+          <a:schemeClr val="accent1"/>
+        </a:lnRef>
+        <a:fillRef idx="3">
+          <a:schemeClr val="accent1"/>
+        </a:fillRef>
+        <a:effectRef idx="2">
+          <a:schemeClr val="accent1"/>
+        </a:effectRef>
+        <a:fontRef idx="minor">
+          <a:schemeClr val="lt1"/>
+        </a:fontRef>
+      </a:style>
+    </a:spDef>
+    <a:lnDef>
+      <a:spPr/>
+      <a:bodyPr/>
+      <a:lstStyle/>
+      <a:style>
+        <a:lnRef idx="2">
+          <a:schemeClr val="accent1"/>
+        </a:lnRef>
+        <a:fillRef idx="0">
+          <a:schemeClr val="accent1"/>
+        </a:fillRef>
+        <a:effectRef idx="1">
+          <a:schemeClr val="accent1"/>
+        </a:effectRef>
+        <a:fontRef idx="minor">
+          <a:schemeClr val="tx1"/>
+        </a:fontRef>
+      </a:style>
+    </a:lnDef>
+  </a:objectDefaults>
+  <a:extraClrSchemeLst/>
+</a:theme>
 </file>